--- a/An application of Polynomial Chaos.pptx
+++ b/An application of Polynomial Chaos.pptx
@@ -18,6 +18,7 @@
     <p:sldId id="264" r:id="rId12"/>
     <p:sldId id="275" r:id="rId13"/>
     <p:sldId id="274" r:id="rId14"/>
+    <p:sldId id="276" r:id="rId15"/>
   </p:sldIdLst>
   <p:sldSz cx="12192000" cy="6858000"/>
   <p:notesSz cx="6858000" cy="9144000"/>
@@ -271,7 +272,7 @@
           <a:p>
             <a:fld id="{CC179FDC-BB21-483D-BD40-55249679802D}" type="datetimeFigureOut">
               <a:rPr lang="en-US" smtClean="0"/>
-              <a:t>12/5/2018</a:t>
+              <a:t>12/6/2018</a:t>
             </a:fld>
             <a:endParaRPr lang="en-US"/>
           </a:p>
@@ -469,7 +470,7 @@
           <a:p>
             <a:fld id="{CC179FDC-BB21-483D-BD40-55249679802D}" type="datetimeFigureOut">
               <a:rPr lang="en-US" smtClean="0"/>
-              <a:t>12/5/2018</a:t>
+              <a:t>12/6/2018</a:t>
             </a:fld>
             <a:endParaRPr lang="en-US"/>
           </a:p>
@@ -677,7 +678,7 @@
           <a:p>
             <a:fld id="{CC179FDC-BB21-483D-BD40-55249679802D}" type="datetimeFigureOut">
               <a:rPr lang="en-US" smtClean="0"/>
-              <a:t>12/5/2018</a:t>
+              <a:t>12/6/2018</a:t>
             </a:fld>
             <a:endParaRPr lang="en-US"/>
           </a:p>
@@ -875,7 +876,7 @@
           <a:p>
             <a:fld id="{CC179FDC-BB21-483D-BD40-55249679802D}" type="datetimeFigureOut">
               <a:rPr lang="en-US" smtClean="0"/>
-              <a:t>12/5/2018</a:t>
+              <a:t>12/6/2018</a:t>
             </a:fld>
             <a:endParaRPr lang="en-US"/>
           </a:p>
@@ -1150,7 +1151,7 @@
           <a:p>
             <a:fld id="{CC179FDC-BB21-483D-BD40-55249679802D}" type="datetimeFigureOut">
               <a:rPr lang="en-US" smtClean="0"/>
-              <a:t>12/5/2018</a:t>
+              <a:t>12/6/2018</a:t>
             </a:fld>
             <a:endParaRPr lang="en-US"/>
           </a:p>
@@ -1415,7 +1416,7 @@
           <a:p>
             <a:fld id="{CC179FDC-BB21-483D-BD40-55249679802D}" type="datetimeFigureOut">
               <a:rPr lang="en-US" smtClean="0"/>
-              <a:t>12/5/2018</a:t>
+              <a:t>12/6/2018</a:t>
             </a:fld>
             <a:endParaRPr lang="en-US"/>
           </a:p>
@@ -1827,7 +1828,7 @@
           <a:p>
             <a:fld id="{CC179FDC-BB21-483D-BD40-55249679802D}" type="datetimeFigureOut">
               <a:rPr lang="en-US" smtClean="0"/>
-              <a:t>12/5/2018</a:t>
+              <a:t>12/6/2018</a:t>
             </a:fld>
             <a:endParaRPr lang="en-US"/>
           </a:p>
@@ -1968,7 +1969,7 @@
           <a:p>
             <a:fld id="{CC179FDC-BB21-483D-BD40-55249679802D}" type="datetimeFigureOut">
               <a:rPr lang="en-US" smtClean="0"/>
-              <a:t>12/5/2018</a:t>
+              <a:t>12/6/2018</a:t>
             </a:fld>
             <a:endParaRPr lang="en-US"/>
           </a:p>
@@ -2081,7 +2082,7 @@
           <a:p>
             <a:fld id="{CC179FDC-BB21-483D-BD40-55249679802D}" type="datetimeFigureOut">
               <a:rPr lang="en-US" smtClean="0"/>
-              <a:t>12/5/2018</a:t>
+              <a:t>12/6/2018</a:t>
             </a:fld>
             <a:endParaRPr lang="en-US"/>
           </a:p>
@@ -2392,7 +2393,7 @@
           <a:p>
             <a:fld id="{CC179FDC-BB21-483D-BD40-55249679802D}" type="datetimeFigureOut">
               <a:rPr lang="en-US" smtClean="0"/>
-              <a:t>12/5/2018</a:t>
+              <a:t>12/6/2018</a:t>
             </a:fld>
             <a:endParaRPr lang="en-US"/>
           </a:p>
@@ -2680,7 +2681,7 @@
           <a:p>
             <a:fld id="{CC179FDC-BB21-483D-BD40-55249679802D}" type="datetimeFigureOut">
               <a:rPr lang="en-US" smtClean="0"/>
-              <a:t>12/5/2018</a:t>
+              <a:t>12/6/2018</a:t>
             </a:fld>
             <a:endParaRPr lang="en-US"/>
           </a:p>
@@ -2921,7 +2922,7 @@
           <a:p>
             <a:fld id="{CC179FDC-BB21-483D-BD40-55249679802D}" type="datetimeFigureOut">
               <a:rPr lang="en-US" smtClean="0"/>
-              <a:t>12/5/2018</a:t>
+              <a:t>12/6/2018</a:t>
             </a:fld>
             <a:endParaRPr lang="en-US"/>
           </a:p>
@@ -3400,9 +3401,6 @@
               <a:t>A Generalized Polynomial Chaos Based Ensemble Kalman Filter</a:t>
             </a:r>
           </a:p>
-          <a:p>
-            <a:endParaRPr lang="en-US" dirty="0"/>
-          </a:p>
         </p:txBody>
       </p:sp>
       <p:sp>
@@ -3503,8 +3501,8 @@
           </a:p>
         </p:txBody>
       </p:sp>
-      <mc:AlternateContent xmlns:mc="http://schemas.openxmlformats.org/markup-compatibility/2006">
-        <mc:Choice xmlns:a14="http://schemas.microsoft.com/office/drawing/2010/main" Requires="a14">
+      <mc:AlternateContent xmlns:mc="http://schemas.openxmlformats.org/markup-compatibility/2006" xmlns:a14="http://schemas.microsoft.com/office/drawing/2010/main">
+        <mc:Choice Requires="a14">
           <p:sp>
             <p:nvSpPr>
               <p:cNvPr id="3" name="Content Placeholder 2">
@@ -4189,7 +4187,7 @@
             </p:txBody>
           </p:sp>
         </mc:Choice>
-        <mc:Fallback>
+        <mc:Fallback xmlns="">
           <p:sp>
             <p:nvSpPr>
               <p:cNvPr id="3" name="Content Placeholder 2">
@@ -5720,6 +5718,107 @@
 </p:sld>
 </file>
 
+<file path=ppt/slides/slide14.xml><?xml version="1.0" encoding="utf-8"?>
+<p:sld xmlns:a="http://schemas.openxmlformats.org/drawingml/2006/main" xmlns:r="http://schemas.openxmlformats.org/officeDocument/2006/relationships" xmlns:p="http://schemas.openxmlformats.org/presentationml/2006/main">
+  <p:cSld>
+    <p:spTree>
+      <p:nvGrpSpPr>
+        <p:cNvPr id="1" name=""/>
+        <p:cNvGrpSpPr/>
+        <p:nvPr/>
+      </p:nvGrpSpPr>
+      <p:grpSpPr>
+        <a:xfrm>
+          <a:off x="0" y="0"/>
+          <a:ext cx="0" cy="0"/>
+          <a:chOff x="0" y="0"/>
+          <a:chExt cx="0" cy="0"/>
+        </a:xfrm>
+      </p:grpSpPr>
+      <p:sp>
+        <p:nvSpPr>
+          <p:cNvPr id="2" name="Title 1">
+            <a:extLst>
+              <a:ext uri="{FF2B5EF4-FFF2-40B4-BE49-F238E27FC236}">
+                <a16:creationId xmlns:a16="http://schemas.microsoft.com/office/drawing/2014/main" id="{2001B9B7-3001-467F-AE26-E5F4133EA73B}"/>
+              </a:ext>
+            </a:extLst>
+          </p:cNvPr>
+          <p:cNvSpPr>
+            <a:spLocks noGrp="1"/>
+          </p:cNvSpPr>
+          <p:nvPr>
+            <p:ph type="title"/>
+          </p:nvPr>
+        </p:nvSpPr>
+        <p:spPr/>
+        <p:txBody>
+          <a:bodyPr/>
+          <a:lstStyle/>
+          <a:p>
+            <a:r>
+              <a:rPr lang="en-US" dirty="0" err="1"/>
+              <a:t>Github</a:t>
+            </a:r>
+            <a:endParaRPr lang="en-US" dirty="0"/>
+          </a:p>
+        </p:txBody>
+      </p:sp>
+      <p:sp>
+        <p:nvSpPr>
+          <p:cNvPr id="3" name="Content Placeholder 2">
+            <a:extLst>
+              <a:ext uri="{FF2B5EF4-FFF2-40B4-BE49-F238E27FC236}">
+                <a16:creationId xmlns:a16="http://schemas.microsoft.com/office/drawing/2014/main" id="{0B04EBD8-927C-46B1-AD80-13E5AA3DBA97}"/>
+              </a:ext>
+            </a:extLst>
+          </p:cNvPr>
+          <p:cNvSpPr>
+            <a:spLocks noGrp="1"/>
+          </p:cNvSpPr>
+          <p:nvPr>
+            <p:ph idx="1"/>
+          </p:nvPr>
+        </p:nvSpPr>
+        <p:spPr/>
+        <p:txBody>
+          <a:bodyPr>
+            <a:normAutofit/>
+          </a:bodyPr>
+          <a:lstStyle/>
+          <a:p>
+            <a:r>
+              <a:rPr lang="en-US" dirty="0"/>
+              <a:t>The Code Repository is available at the following link:</a:t>
+            </a:r>
+          </a:p>
+          <a:p>
+            <a:pPr marL="0" indent="0" algn="ctr">
+              <a:buNone/>
+            </a:pPr>
+            <a:r>
+              <a:rPr lang="en-US" sz="2500" dirty="0">
+                <a:hlinkClick r:id="rId2"/>
+              </a:rPr>
+              <a:t>https://github.com/Andrewpensoneault/Lorenz_63_Stochastic_Galerkin_EnKF</a:t>
+            </a:r>
+            <a:endParaRPr lang="en-US" sz="2500" dirty="0"/>
+          </a:p>
+        </p:txBody>
+      </p:sp>
+    </p:spTree>
+    <p:extLst>
+      <p:ext uri="{BB962C8B-B14F-4D97-AF65-F5344CB8AC3E}">
+        <p14:creationId xmlns:p14="http://schemas.microsoft.com/office/powerpoint/2010/main" val="2165775048"/>
+      </p:ext>
+    </p:extLst>
+  </p:cSld>
+  <p:clrMapOvr>
+    <a:masterClrMapping/>
+  </p:clrMapOvr>
+</p:sld>
+</file>
+
 <file path=ppt/slides/slide2.xml><?xml version="1.0" encoding="utf-8"?>
 <p:sld xmlns:a="http://schemas.openxmlformats.org/drawingml/2006/main" xmlns:r="http://schemas.openxmlformats.org/officeDocument/2006/relationships" xmlns:p="http://schemas.openxmlformats.org/presentationml/2006/main">
   <p:cSld>
@@ -6097,8 +6196,8 @@
           </a:p>
         </p:txBody>
       </p:sp>
-      <mc:AlternateContent xmlns:mc="http://schemas.openxmlformats.org/markup-compatibility/2006" xmlns:a14="http://schemas.microsoft.com/office/drawing/2010/main">
-        <mc:Choice Requires="a14">
+      <mc:AlternateContent xmlns:mc="http://schemas.openxmlformats.org/markup-compatibility/2006">
+        <mc:Choice xmlns:a14="http://schemas.microsoft.com/office/drawing/2010/main" Requires="a14">
           <p:sp>
             <p:nvSpPr>
               <p:cNvPr id="3" name="Content Placeholder 2">
@@ -7024,6 +7123,12 @@
                         </a:rPr>
                         <m:t>∝</m:t>
                       </m:r>
+                      <m:r>
+                        <a:rPr lang="en-US" b="0" i="1" smtClean="0">
+                          <a:latin typeface="Cambria Math" panose="02040503050406030204" pitchFamily="18" charset="0"/>
+                        </a:rPr>
+                        <m:t>∫</m:t>
+                      </m:r>
                       <m:sSub>
                         <m:sSubPr>
                           <m:ctrlPr>
@@ -7110,42 +7215,74 @@
                         </a:rPr>
                         <m:t>𝑝</m:t>
                       </m:r>
+                      <m:d>
+                        <m:dPr>
+                          <m:ctrlPr>
+                            <a:rPr lang="en-US" b="0" i="1" smtClean="0">
+                              <a:latin typeface="Cambria Math" panose="02040503050406030204" pitchFamily="18" charset="0"/>
+                            </a:rPr>
+                          </m:ctrlPr>
+                        </m:dPr>
+                        <m:e>
+                          <m:sSub>
+                            <m:sSubPr>
+                              <m:ctrlPr>
+                                <a:rPr lang="en-US" b="0" i="1" smtClean="0">
+                                  <a:latin typeface="Cambria Math" panose="02040503050406030204" pitchFamily="18" charset="0"/>
+                                </a:rPr>
+                              </m:ctrlPr>
+                            </m:sSubPr>
+                            <m:e>
+                              <m:r>
+                                <a:rPr lang="en-US" b="0" i="1" smtClean="0">
+                                  <a:latin typeface="Cambria Math" panose="02040503050406030204" pitchFamily="18" charset="0"/>
+                                </a:rPr>
+                                <m:t>𝑦</m:t>
+                              </m:r>
+                            </m:e>
+                            <m:sub>
+                              <m:r>
+                                <a:rPr lang="en-US" b="0" i="1" smtClean="0">
+                                  <a:latin typeface="Cambria Math" panose="02040503050406030204" pitchFamily="18" charset="0"/>
+                                </a:rPr>
+                                <m:t>𝑖</m:t>
+                              </m:r>
+                            </m:sub>
+                          </m:sSub>
+                        </m:e>
+                        <m:e>
+                          <m:sSub>
+                            <m:sSubPr>
+                              <m:ctrlPr>
+                                <a:rPr lang="en-US" b="0" i="1" smtClean="0">
+                                  <a:latin typeface="Cambria Math" panose="02040503050406030204" pitchFamily="18" charset="0"/>
+                                </a:rPr>
+                              </m:ctrlPr>
+                            </m:sSubPr>
+                            <m:e>
+                              <m:r>
+                                <a:rPr lang="en-US" b="0" i="1" smtClean="0">
+                                  <a:latin typeface="Cambria Math" panose="02040503050406030204" pitchFamily="18" charset="0"/>
+                                </a:rPr>
+                                <m:t>𝑥</m:t>
+                              </m:r>
+                            </m:e>
+                            <m:sub>
+                              <m:r>
+                                <a:rPr lang="en-US" b="0" i="1" smtClean="0">
+                                  <a:latin typeface="Cambria Math" panose="02040503050406030204" pitchFamily="18" charset="0"/>
+                                </a:rPr>
+                                <m:t>𝑖</m:t>
+                              </m:r>
+                            </m:sub>
+                          </m:sSub>
+                        </m:e>
+                      </m:d>
                       <m:r>
                         <a:rPr lang="en-US" b="0" i="1" smtClean="0">
                           <a:latin typeface="Cambria Math" panose="02040503050406030204" pitchFamily="18" charset="0"/>
                         </a:rPr>
-                        <m:t>(</m:t>
-                      </m:r>
-                      <m:sSub>
-                        <m:sSubPr>
-                          <m:ctrlPr>
-                            <a:rPr lang="en-US" b="0" i="1" smtClean="0">
-                              <a:latin typeface="Cambria Math" panose="02040503050406030204" pitchFamily="18" charset="0"/>
-                            </a:rPr>
-                          </m:ctrlPr>
-                        </m:sSubPr>
-                        <m:e>
-                          <m:r>
-                            <a:rPr lang="en-US" b="0" i="1" smtClean="0">
-                              <a:latin typeface="Cambria Math" panose="02040503050406030204" pitchFamily="18" charset="0"/>
-                            </a:rPr>
-                            <m:t>𝑦</m:t>
-                          </m:r>
-                        </m:e>
-                        <m:sub>
-                          <m:r>
-                            <a:rPr lang="en-US" b="0" i="1" smtClean="0">
-                              <a:latin typeface="Cambria Math" panose="02040503050406030204" pitchFamily="18" charset="0"/>
-                            </a:rPr>
-                            <m:t>𝑖</m:t>
-                          </m:r>
-                        </m:sub>
-                      </m:sSub>
-                      <m:r>
-                        <a:rPr lang="en-US" b="0" i="1" smtClean="0">
-                          <a:latin typeface="Cambria Math" panose="02040503050406030204" pitchFamily="18" charset="0"/>
-                        </a:rPr>
-                        <m:t>|</m:t>
+                        <m:t>𝑑</m:t>
                       </m:r>
                       <m:sSub>
                         <m:sSubPr>
@@ -7170,14 +7307,14 @@
                             </a:rPr>
                             <m:t>𝑖</m:t>
                           </m:r>
+                          <m:r>
+                            <a:rPr lang="en-US" b="0" i="1" smtClean="0">
+                              <a:latin typeface="Cambria Math" panose="02040503050406030204" pitchFamily="18" charset="0"/>
+                            </a:rPr>
+                            <m:t>−1</m:t>
+                          </m:r>
                         </m:sub>
                       </m:sSub>
-                      <m:r>
-                        <a:rPr lang="en-US" b="0" i="1" smtClean="0">
-                          <a:latin typeface="Cambria Math" panose="02040503050406030204" pitchFamily="18" charset="0"/>
-                        </a:rPr>
-                        <m:t>)</m:t>
-                      </m:r>
                     </m:oMath>
                   </m:oMathPara>
                 </a14:m>
@@ -7186,7 +7323,7 @@
             </p:txBody>
           </p:sp>
         </mc:Choice>
-        <mc:Fallback xmlns="">
+        <mc:Fallback>
           <p:sp>
             <p:nvSpPr>
               <p:cNvPr id="3" name="Content Placeholder 2">
@@ -7418,8 +7555,8 @@
           </a:p>
         </p:txBody>
       </p:sp>
-      <mc:AlternateContent xmlns:mc="http://schemas.openxmlformats.org/markup-compatibility/2006" xmlns:a14="http://schemas.microsoft.com/office/drawing/2010/main">
-        <mc:Choice Requires="a14">
+      <mc:AlternateContent xmlns:mc="http://schemas.openxmlformats.org/markup-compatibility/2006">
+        <mc:Choice xmlns:a14="http://schemas.microsoft.com/office/drawing/2010/main" Requires="a14">
           <p:sp>
             <p:nvSpPr>
               <p:cNvPr id="3" name="Content Placeholder 2">
@@ -7479,15 +7616,7 @@
                 </a:pPr>
                 <a:r>
                   <a:rPr lang="en-US" sz="2000" dirty="0"/>
-                  <a:t>Calculate the first and second moment empirically (</a:t>
-                </a:r>
-                <a:r>
-                  <a:rPr lang="en-US" sz="2000" dirty="0" err="1"/>
-                  <a:t>forcast</a:t>
-                </a:r>
-                <a:r>
-                  <a:rPr lang="en-US" sz="2000" dirty="0"/>
-                  <a:t>)</a:t>
+                  <a:t>Calculate the first and second moment empirically (forecast)</a:t>
                 </a:r>
               </a:p>
               <a:p>
@@ -7497,15 +7626,7 @@
                 </a:pPr>
                 <a:r>
                   <a:rPr lang="en-US" sz="2000" dirty="0"/>
-                  <a:t>Use the data to determine a linear correction to the </a:t>
-                </a:r>
-                <a:r>
-                  <a:rPr lang="en-US" sz="2000" dirty="0" err="1"/>
-                  <a:t>forcast</a:t>
-                </a:r>
-                <a:r>
-                  <a:rPr lang="en-US" sz="2000" dirty="0"/>
-                  <a:t> (analysis)</a:t>
+                  <a:t>Use the data to determine a linear correction to the forecast (analysis)</a:t>
                 </a:r>
               </a:p>
               <a:p>
@@ -7566,7 +7687,7 @@
             </p:txBody>
           </p:sp>
         </mc:Choice>
-        <mc:Fallback xmlns="">
+        <mc:Fallback>
           <p:sp>
             <p:nvSpPr>
               <p:cNvPr id="3" name="Content Placeholder 2">
@@ -8269,8 +8390,8 @@
           </a:p>
         </p:txBody>
       </p:sp>
-      <mc:AlternateContent xmlns:mc="http://schemas.openxmlformats.org/markup-compatibility/2006">
-        <mc:Choice xmlns:a14="http://schemas.microsoft.com/office/drawing/2010/main" Requires="a14">
+      <mc:AlternateContent xmlns:mc="http://schemas.openxmlformats.org/markup-compatibility/2006" xmlns:a14="http://schemas.microsoft.com/office/drawing/2010/main">
+        <mc:Choice Requires="a14">
           <p:sp>
             <p:nvSpPr>
               <p:cNvPr id="3" name="Content Placeholder 2">
@@ -9838,7 +9959,7 @@
             </p:txBody>
           </p:sp>
         </mc:Choice>
-        <mc:Fallback>
+        <mc:Fallback xmlns="">
           <p:sp>
             <p:nvSpPr>
               <p:cNvPr id="3" name="Content Placeholder 2">
